--- a/边角料/动画的制作方法.pptx
+++ b/边角料/动画的制作方法.pptx
@@ -112,10 +112,10 @@
   </p:defaultTextStyle>
   <p:extLst>
     <p:ext uri="{EFAFB233-063F-42B5-8137-9DF3F51BA10A}">
-      <p15:sldGuideLst xmlns:p15="http://schemas.microsoft.com/office/powerpoint/2012/main" xmlns=""/>
+      <p15:sldGuideLst xmlns="" xmlns:p15="http://schemas.microsoft.com/office/powerpoint/2012/main"/>
     </p:ext>
     <p:ext uri="{2D200454-40CA-4A62-9FC3-DE9A4176ACB9}">
-      <p15:notesGuideLst xmlns:p15="http://schemas.microsoft.com/office/powerpoint/2012/main" xmlns=""/>
+      <p15:notesGuideLst xmlns="" xmlns:p15="http://schemas.microsoft.com/office/powerpoint/2012/main"/>
     </p:ext>
   </p:extLst>
 </p:presentation>
@@ -10830,7 +10830,25 @@
                 </a:solidFill>
                 <a:latin typeface="+mn-ea"/>
               </a:rPr>
-              <a:t>中，右键点击要使用动画的图片，选中自定义动作，设置移动路径，即可做到图片的移动。此外还可以在移动的时候加入背景音乐等，实现更加丰富的交互体验。</a:t>
+              <a:t>中，右键点击要使用动画的图片，选中自定义动作，设置移动路径，即可做到图片的移动。此外还可以在移动的时候加入背景音乐等，实现更加丰富的</a:t>
+            </a:r>
+            <a:r>
+              <a:rPr lang="zh-CN" altLang="en-US">
+                <a:solidFill>
+                  <a:schemeClr val="accent3"/>
+                </a:solidFill>
+                <a:latin typeface="+mn-ea"/>
+              </a:rPr>
+              <a:t>交互</a:t>
+            </a:r>
+            <a:r>
+              <a:rPr lang="zh-CN" altLang="en-US" smtClean="0">
+                <a:solidFill>
+                  <a:schemeClr val="accent3"/>
+                </a:solidFill>
+                <a:latin typeface="+mn-ea"/>
+              </a:rPr>
+              <a:t>体验</a:t>
             </a:r>
             <a:endParaRPr lang="zh-CN" altLang="en-US" dirty="0">
               <a:solidFill>
@@ -11635,7 +11653,7 @@
   <a:extraClrSchemeLst/>
   <a:extLst>
     <a:ext uri="{05A4C25C-085E-4340-85A3-A5531E510DB2}">
-      <thm15:themeFamily xmlns:thm15="http://schemas.microsoft.com/office/thememl/2012/main" xmlns="" name="Office Theme" id="{62F939B6-93AF-4DB8-9C6B-D6C7DFDC589F}" vid="{4A3C46E8-61CC-4603-A589-7422A47A8E4A}"/>
+      <thm15:themeFamily xmlns="" xmlns:thm15="http://schemas.microsoft.com/office/thememl/2012/main" name="Office Theme" id="{62F939B6-93AF-4DB8-9C6B-D6C7DFDC589F}" vid="{4A3C46E8-61CC-4603-A589-7422A47A8E4A}"/>
     </a:ext>
   </a:extLst>
 </a:theme>
@@ -11896,7 +11914,7 @@
   <a:extraClrSchemeLst/>
   <a:extLst>
     <a:ext uri="{05A4C25C-085E-4340-85A3-A5531E510DB2}">
-      <thm15:themeFamily xmlns:thm15="http://schemas.microsoft.com/office/thememl/2012/main" xmlns="" name="Office Theme" id="{62F939B6-93AF-4DB8-9C6B-D6C7DFDC589F}" vid="{4A3C46E8-61CC-4603-A589-7422A47A8E4A}"/>
+      <thm15:themeFamily xmlns="" xmlns:thm15="http://schemas.microsoft.com/office/thememl/2012/main" name="Office Theme" id="{62F939B6-93AF-4DB8-9C6B-D6C7DFDC589F}" vid="{4A3C46E8-61CC-4603-A589-7422A47A8E4A}"/>
     </a:ext>
   </a:extLst>
 </a:theme>
@@ -12157,7 +12175,7 @@
   <a:extraClrSchemeLst/>
   <a:extLst>
     <a:ext uri="{05A4C25C-085E-4340-85A3-A5531E510DB2}">
-      <thm15:themeFamily xmlns:thm15="http://schemas.microsoft.com/office/thememl/2012/main" xmlns="" name="Office Theme" id="{62F939B6-93AF-4DB8-9C6B-D6C7DFDC589F}" vid="{4A3C46E8-61CC-4603-A589-7422A47A8E4A}"/>
+      <thm15:themeFamily xmlns="" xmlns:thm15="http://schemas.microsoft.com/office/thememl/2012/main" name="Office Theme" id="{62F939B6-93AF-4DB8-9C6B-D6C7DFDC589F}" vid="{4A3C46E8-61CC-4603-A589-7422A47A8E4A}"/>
     </a:ext>
   </a:extLst>
 </a:theme>
